--- a/GMPTS.pptx
+++ b/GMPTS.pptx
@@ -4,7 +4,11 @@
   <p:sldMasterIdLst>
     <p:sldMasterId id="2147483648" r:id="rId1"/>
   </p:sldMasterIdLst>
-  <p:sldSz cx="9144000" cy="6858000" type="screen4x3"/>
+  <p:sldIdLst>
+    <p:sldId id="256" r:id="rId2"/>
+    <p:sldId id="257" r:id="rId3"/>
+  </p:sldIdLst>
+  <p:sldSz cx="6858000" cy="9144000" type="screen4x3"/>
   <p:notesSz cx="6858000" cy="9144000"/>
   <p:defaultTextStyle>
     <a:defPPr>
@@ -133,8 +137,8 @@
         </p:nvSpPr>
         <p:spPr>
           <a:xfrm>
-            <a:off x="685800" y="2130425"/>
-            <a:ext cx="7772400" cy="1470025"/>
+            <a:off x="514350" y="2840568"/>
+            <a:ext cx="5829300" cy="1960033"/>
           </a:xfrm>
         </p:spPr>
         <p:txBody>
@@ -161,8 +165,8 @@
         </p:nvSpPr>
         <p:spPr>
           <a:xfrm>
-            <a:off x="1371600" y="3886200"/>
-            <a:ext cx="6400800" cy="1752600"/>
+            <a:off x="1028700" y="5181600"/>
+            <a:ext cx="4800600" cy="2336800"/>
           </a:xfrm>
         </p:spPr>
         <p:txBody>
@@ -285,7 +289,7 @@
           <a:p>
             <a:fld id="{AA309A6D-C09C-4548-B29A-6CF363A7E532}" type="datetimeFigureOut">
               <a:rPr lang="fr-FR" smtClean="0"/>
-              <a:t>26/09/2006</a:t>
+              <a:t>18/11/2025</a:t>
             </a:fld>
             <a:endParaRPr lang="fr-BE"/>
           </a:p>
@@ -450,7 +454,7 @@
           <a:p>
             <a:fld id="{AA309A6D-C09C-4548-B29A-6CF363A7E532}" type="datetimeFigureOut">
               <a:rPr lang="fr-FR" smtClean="0"/>
-              <a:t>26/09/2006</a:t>
+              <a:t>18/11/2025</a:t>
             </a:fld>
             <a:endParaRPr lang="fr-BE"/>
           </a:p>
@@ -535,8 +539,8 @@
         </p:nvSpPr>
         <p:spPr>
           <a:xfrm>
-            <a:off x="6629400" y="274638"/>
-            <a:ext cx="2057400" cy="5851525"/>
+            <a:off x="4972050" y="366185"/>
+            <a:ext cx="1543050" cy="7802033"/>
           </a:xfrm>
         </p:spPr>
         <p:txBody>
@@ -563,8 +567,8 @@
         </p:nvSpPr>
         <p:spPr>
           <a:xfrm>
-            <a:off x="457200" y="274638"/>
-            <a:ext cx="6019800" cy="5851525"/>
+            <a:off x="342900" y="366185"/>
+            <a:ext cx="4514850" cy="7802033"/>
           </a:xfrm>
         </p:spPr>
         <p:txBody>
@@ -625,7 +629,7 @@
           <a:p>
             <a:fld id="{AA309A6D-C09C-4548-B29A-6CF363A7E532}" type="datetimeFigureOut">
               <a:rPr lang="fr-FR" smtClean="0"/>
-              <a:t>26/09/2006</a:t>
+              <a:t>18/11/2025</a:t>
             </a:fld>
             <a:endParaRPr lang="fr-BE"/>
           </a:p>
@@ -790,7 +794,7 @@
           <a:p>
             <a:fld id="{AA309A6D-C09C-4548-B29A-6CF363A7E532}" type="datetimeFigureOut">
               <a:rPr lang="fr-FR" smtClean="0"/>
-              <a:t>26/09/2006</a:t>
+              <a:t>18/11/2025</a:t>
             </a:fld>
             <a:endParaRPr lang="fr-BE"/>
           </a:p>
@@ -875,8 +879,8 @@
         </p:nvSpPr>
         <p:spPr>
           <a:xfrm>
-            <a:off x="722313" y="4406900"/>
-            <a:ext cx="7772400" cy="1362075"/>
+            <a:off x="541735" y="5875867"/>
+            <a:ext cx="5829300" cy="1816100"/>
           </a:xfrm>
         </p:spPr>
         <p:txBody>
@@ -907,8 +911,8 @@
         </p:nvSpPr>
         <p:spPr>
           <a:xfrm>
-            <a:off x="722313" y="2906713"/>
-            <a:ext cx="7772400" cy="1500187"/>
+            <a:off x="541735" y="3875618"/>
+            <a:ext cx="5829300" cy="2000249"/>
           </a:xfrm>
         </p:spPr>
         <p:txBody>
@@ -1031,7 +1035,7 @@
           <a:p>
             <a:fld id="{AA309A6D-C09C-4548-B29A-6CF363A7E532}" type="datetimeFigureOut">
               <a:rPr lang="fr-FR" smtClean="0"/>
-              <a:t>26/09/2006</a:t>
+              <a:t>18/11/2025</a:t>
             </a:fld>
             <a:endParaRPr lang="fr-BE"/>
           </a:p>
@@ -1139,8 +1143,8 @@
         </p:nvSpPr>
         <p:spPr>
           <a:xfrm>
-            <a:off x="457200" y="1600200"/>
-            <a:ext cx="4038600" cy="4525963"/>
+            <a:off x="342900" y="2133601"/>
+            <a:ext cx="3028950" cy="6034617"/>
           </a:xfrm>
         </p:spPr>
         <p:txBody>
@@ -1224,8 +1228,8 @@
         </p:nvSpPr>
         <p:spPr>
           <a:xfrm>
-            <a:off x="4648200" y="1600200"/>
-            <a:ext cx="4038600" cy="4525963"/>
+            <a:off x="3486150" y="2133601"/>
+            <a:ext cx="3028950" cy="6034617"/>
           </a:xfrm>
         </p:spPr>
         <p:txBody>
@@ -1314,7 +1318,7 @@
           <a:p>
             <a:fld id="{AA309A6D-C09C-4548-B29A-6CF363A7E532}" type="datetimeFigureOut">
               <a:rPr lang="fr-FR" smtClean="0"/>
-              <a:t>26/09/2006</a:t>
+              <a:t>18/11/2025</a:t>
             </a:fld>
             <a:endParaRPr lang="fr-BE"/>
           </a:p>
@@ -1426,8 +1430,8 @@
         </p:nvSpPr>
         <p:spPr>
           <a:xfrm>
-            <a:off x="457200" y="1535113"/>
-            <a:ext cx="4040188" cy="639762"/>
+            <a:off x="342900" y="2046817"/>
+            <a:ext cx="3030141" cy="853016"/>
           </a:xfrm>
         </p:spPr>
         <p:txBody>
@@ -1491,8 +1495,8 @@
         </p:nvSpPr>
         <p:spPr>
           <a:xfrm>
-            <a:off x="457200" y="2174875"/>
-            <a:ext cx="4040188" cy="3951288"/>
+            <a:off x="342900" y="2899833"/>
+            <a:ext cx="3030141" cy="5268384"/>
           </a:xfrm>
         </p:spPr>
         <p:txBody>
@@ -1576,8 +1580,8 @@
         </p:nvSpPr>
         <p:spPr>
           <a:xfrm>
-            <a:off x="4645025" y="1535113"/>
-            <a:ext cx="4041775" cy="639762"/>
+            <a:off x="3483769" y="2046817"/>
+            <a:ext cx="3031331" cy="853016"/>
           </a:xfrm>
         </p:spPr>
         <p:txBody>
@@ -1641,8 +1645,8 @@
         </p:nvSpPr>
         <p:spPr>
           <a:xfrm>
-            <a:off x="4645025" y="2174875"/>
-            <a:ext cx="4041775" cy="3951288"/>
+            <a:off x="3483769" y="2899833"/>
+            <a:ext cx="3031331" cy="5268384"/>
           </a:xfrm>
         </p:spPr>
         <p:txBody>
@@ -1731,7 +1735,7 @@
           <a:p>
             <a:fld id="{AA309A6D-C09C-4548-B29A-6CF363A7E532}" type="datetimeFigureOut">
               <a:rPr lang="fr-FR" smtClean="0"/>
-              <a:t>26/09/2006</a:t>
+              <a:t>18/11/2025</a:t>
             </a:fld>
             <a:endParaRPr lang="fr-BE"/>
           </a:p>
@@ -1844,7 +1848,7 @@
           <a:p>
             <a:fld id="{AA309A6D-C09C-4548-B29A-6CF363A7E532}" type="datetimeFigureOut">
               <a:rPr lang="fr-FR" smtClean="0"/>
-              <a:t>26/09/2006</a:t>
+              <a:t>18/11/2025</a:t>
             </a:fld>
             <a:endParaRPr lang="fr-BE"/>
           </a:p>
@@ -1934,7 +1938,7 @@
           <a:p>
             <a:fld id="{AA309A6D-C09C-4548-B29A-6CF363A7E532}" type="datetimeFigureOut">
               <a:rPr lang="fr-FR" smtClean="0"/>
-              <a:t>26/09/2006</a:t>
+              <a:t>18/11/2025</a:t>
             </a:fld>
             <a:endParaRPr lang="fr-BE"/>
           </a:p>
@@ -2019,8 +2023,8 @@
         </p:nvSpPr>
         <p:spPr>
           <a:xfrm>
-            <a:off x="457200" y="273050"/>
-            <a:ext cx="3008313" cy="1162050"/>
+            <a:off x="342900" y="364067"/>
+            <a:ext cx="2256235" cy="1549400"/>
           </a:xfrm>
         </p:spPr>
         <p:txBody>
@@ -2051,8 +2055,8 @@
         </p:nvSpPr>
         <p:spPr>
           <a:xfrm>
-            <a:off x="3575050" y="273050"/>
-            <a:ext cx="5111750" cy="5853113"/>
+            <a:off x="2681287" y="364067"/>
+            <a:ext cx="3833813" cy="7804151"/>
           </a:xfrm>
         </p:spPr>
         <p:txBody>
@@ -2136,8 +2140,8 @@
         </p:nvSpPr>
         <p:spPr>
           <a:xfrm>
-            <a:off x="457200" y="1435100"/>
-            <a:ext cx="3008313" cy="4691063"/>
+            <a:off x="342900" y="1913467"/>
+            <a:ext cx="2256235" cy="6254751"/>
           </a:xfrm>
         </p:spPr>
         <p:txBody>
@@ -2206,7 +2210,7 @@
           <a:p>
             <a:fld id="{AA309A6D-C09C-4548-B29A-6CF363A7E532}" type="datetimeFigureOut">
               <a:rPr lang="fr-FR" smtClean="0"/>
-              <a:t>26/09/2006</a:t>
+              <a:t>18/11/2025</a:t>
             </a:fld>
             <a:endParaRPr lang="fr-BE"/>
           </a:p>
@@ -2291,8 +2295,8 @@
         </p:nvSpPr>
         <p:spPr>
           <a:xfrm>
-            <a:off x="1792288" y="4800600"/>
-            <a:ext cx="5486400" cy="566738"/>
+            <a:off x="1344216" y="6400800"/>
+            <a:ext cx="4114800" cy="755651"/>
           </a:xfrm>
         </p:spPr>
         <p:txBody>
@@ -2323,8 +2327,8 @@
         </p:nvSpPr>
         <p:spPr>
           <a:xfrm>
-            <a:off x="1792288" y="612775"/>
-            <a:ext cx="5486400" cy="4114800"/>
+            <a:off x="1344216" y="817033"/>
+            <a:ext cx="4114800" cy="5486400"/>
           </a:xfrm>
         </p:spPr>
         <p:txBody>
@@ -2384,8 +2388,8 @@
         </p:nvSpPr>
         <p:spPr>
           <a:xfrm>
-            <a:off x="1792288" y="5367338"/>
-            <a:ext cx="5486400" cy="804862"/>
+            <a:off x="1344216" y="7156451"/>
+            <a:ext cx="4114800" cy="1073149"/>
           </a:xfrm>
         </p:spPr>
         <p:txBody>
@@ -2454,7 +2458,7 @@
           <a:p>
             <a:fld id="{AA309A6D-C09C-4548-B29A-6CF363A7E532}" type="datetimeFigureOut">
               <a:rPr lang="fr-FR" smtClean="0"/>
-              <a:t>26/09/2006</a:t>
+              <a:t>18/11/2025</a:t>
             </a:fld>
             <a:endParaRPr lang="fr-BE"/>
           </a:p>
@@ -2544,8 +2548,8 @@
         </p:nvSpPr>
         <p:spPr>
           <a:xfrm>
-            <a:off x="457200" y="274638"/>
-            <a:ext cx="8229600" cy="1143000"/>
+            <a:off x="342900" y="366184"/>
+            <a:ext cx="6172200" cy="1524000"/>
           </a:xfrm>
           <a:prstGeom prst="rect">
             <a:avLst/>
@@ -2577,8 +2581,8 @@
         </p:nvSpPr>
         <p:spPr>
           <a:xfrm>
-            <a:off x="457200" y="1600200"/>
-            <a:ext cx="8229600" cy="4525963"/>
+            <a:off x="342900" y="2133601"/>
+            <a:ext cx="6172200" cy="6034617"/>
           </a:xfrm>
           <a:prstGeom prst="rect">
             <a:avLst/>
@@ -2639,8 +2643,8 @@
         </p:nvSpPr>
         <p:spPr>
           <a:xfrm>
-            <a:off x="457200" y="6356350"/>
-            <a:ext cx="2133600" cy="365125"/>
+            <a:off x="342900" y="8475134"/>
+            <a:ext cx="1600200" cy="486833"/>
           </a:xfrm>
           <a:prstGeom prst="rect">
             <a:avLst/>
@@ -2662,7 +2666,7 @@
           <a:p>
             <a:fld id="{AA309A6D-C09C-4548-B29A-6CF363A7E532}" type="datetimeFigureOut">
               <a:rPr lang="fr-FR" smtClean="0"/>
-              <a:t>26/09/2006</a:t>
+              <a:t>18/11/2025</a:t>
             </a:fld>
             <a:endParaRPr lang="fr-BE"/>
           </a:p>
@@ -2680,8 +2684,8 @@
         </p:nvSpPr>
         <p:spPr>
           <a:xfrm>
-            <a:off x="3124200" y="6356350"/>
-            <a:ext cx="2895600" cy="365125"/>
+            <a:off x="2343150" y="8475134"/>
+            <a:ext cx="2171700" cy="486833"/>
           </a:xfrm>
           <a:prstGeom prst="rect">
             <a:avLst/>
@@ -2717,8 +2721,8 @@
         </p:nvSpPr>
         <p:spPr>
           <a:xfrm>
-            <a:off x="6553200" y="6356350"/>
-            <a:ext cx="2133600" cy="365125"/>
+            <a:off x="4914900" y="8475134"/>
+            <a:ext cx="1600200" cy="486833"/>
           </a:xfrm>
           <a:prstGeom prst="rect">
             <a:avLst/>
@@ -3013,6 +3017,647 @@
     </p:otherStyle>
   </p:txStyles>
 </p:sldMaster>
+</file>
+
+<file path=ppt/slides/slide1.xml><?xml version="1.0" encoding="utf-8"?>
+<p:sld xmlns:a="http://schemas.openxmlformats.org/drawingml/2006/main" xmlns:r="http://schemas.openxmlformats.org/officeDocument/2006/relationships" xmlns:p="http://schemas.openxmlformats.org/presentationml/2006/main">
+  <p:cSld>
+    <p:spTree>
+      <p:nvGrpSpPr>
+        <p:cNvPr id="1" name=""/>
+        <p:cNvGrpSpPr/>
+        <p:nvPr/>
+      </p:nvGrpSpPr>
+      <p:grpSpPr>
+        <a:xfrm>
+          <a:off x="0" y="0"/>
+          <a:ext cx="0" cy="0"/>
+          <a:chOff x="0" y="0"/>
+          <a:chExt cx="0" cy="0"/>
+        </a:xfrm>
+      </p:grpSpPr>
+      <p:sp>
+        <p:nvSpPr>
+          <p:cNvPr id="2" name="Titre 1"/>
+          <p:cNvSpPr>
+            <a:spLocks noGrp="1"/>
+          </p:cNvSpPr>
+          <p:nvPr>
+            <p:ph type="ctrTitle"/>
+          </p:nvPr>
+        </p:nvSpPr>
+        <p:spPr/>
+        <p:txBody>
+          <a:bodyPr/>
+          <a:lstStyle/>
+          <a:p>
+            <a:r>
+              <a:rPr lang="fr-CA" dirty="0" smtClean="0"/>
+              <a:t>Gestion des mots de passes</a:t>
+            </a:r>
+            <a:endParaRPr lang="fr-CA" dirty="0"/>
+          </a:p>
+        </p:txBody>
+      </p:sp>
+      <p:sp>
+        <p:nvSpPr>
+          <p:cNvPr id="3" name="Sous-titre 2"/>
+          <p:cNvSpPr>
+            <a:spLocks noGrp="1"/>
+          </p:cNvSpPr>
+          <p:nvPr>
+            <p:ph type="subTitle" idx="1"/>
+          </p:nvPr>
+        </p:nvSpPr>
+        <p:spPr/>
+        <p:txBody>
+          <a:bodyPr/>
+          <a:lstStyle/>
+          <a:p>
+            <a:r>
+              <a:rPr lang="fr-CA" dirty="0" smtClean="0"/>
+              <a:t>Version 2</a:t>
+            </a:r>
+            <a:endParaRPr lang="fr-CA" dirty="0"/>
+          </a:p>
+        </p:txBody>
+      </p:sp>
+    </p:spTree>
+    <p:extLst>
+      <p:ext uri="{BB962C8B-B14F-4D97-AF65-F5344CB8AC3E}">
+        <p14:creationId xmlns:p14="http://schemas.microsoft.com/office/powerpoint/2010/main" val="281542666"/>
+      </p:ext>
+    </p:extLst>
+  </p:cSld>
+  <p:clrMapOvr>
+    <a:masterClrMapping/>
+  </p:clrMapOvr>
+</p:sld>
+</file>
+
+<file path=ppt/slides/slide2.xml><?xml version="1.0" encoding="utf-8"?>
+<p:sld xmlns:a="http://schemas.openxmlformats.org/drawingml/2006/main" xmlns:r="http://schemas.openxmlformats.org/officeDocument/2006/relationships" xmlns:p="http://schemas.openxmlformats.org/presentationml/2006/main">
+  <p:cSld>
+    <p:spTree>
+      <p:nvGrpSpPr>
+        <p:cNvPr id="1" name=""/>
+        <p:cNvGrpSpPr/>
+        <p:nvPr/>
+      </p:nvGrpSpPr>
+      <p:grpSpPr>
+        <a:xfrm>
+          <a:off x="0" y="0"/>
+          <a:ext cx="0" cy="0"/>
+          <a:chOff x="0" y="0"/>
+          <a:chExt cx="0" cy="0"/>
+        </a:xfrm>
+      </p:grpSpPr>
+      <p:sp>
+        <p:nvSpPr>
+          <p:cNvPr id="2" name="Titre 1"/>
+          <p:cNvSpPr>
+            <a:spLocks noGrp="1"/>
+          </p:cNvSpPr>
+          <p:nvPr>
+            <p:ph type="title"/>
+          </p:nvPr>
+        </p:nvSpPr>
+        <p:spPr>
+          <a:xfrm>
+            <a:off x="342900" y="366184"/>
+            <a:ext cx="6182444" cy="461400"/>
+          </a:xfrm>
+          <a:ln cmpd="tri">
+            <a:solidFill>
+              <a:srgbClr val="92D050"/>
+            </a:solidFill>
+          </a:ln>
+        </p:spPr>
+        <p:txBody>
+          <a:bodyPr>
+            <a:normAutofit fontScale="90000"/>
+          </a:bodyPr>
+          <a:lstStyle/>
+          <a:p>
+            <a:r>
+              <a:rPr lang="fr-CA" dirty="0" smtClean="0"/>
+              <a:t>Ouverture</a:t>
+            </a:r>
+            <a:endParaRPr lang="fr-CA" dirty="0"/>
+          </a:p>
+        </p:txBody>
+      </p:sp>
+      <p:sp>
+        <p:nvSpPr>
+          <p:cNvPr id="4" name="Rectangle 3"/>
+          <p:cNvSpPr/>
+          <p:nvPr/>
+        </p:nvSpPr>
+        <p:spPr>
+          <a:xfrm>
+            <a:off x="548680" y="1475656"/>
+            <a:ext cx="2232248" cy="432048"/>
+          </a:xfrm>
+          <a:prstGeom prst="rect">
+            <a:avLst/>
+          </a:prstGeom>
+          <a:noFill/>
+          <a:ln cmpd="sng">
+            <a:solidFill>
+              <a:schemeClr val="tx1"/>
+            </a:solidFill>
+          </a:ln>
+        </p:spPr>
+        <p:style>
+          <a:lnRef idx="2">
+            <a:schemeClr val="accent1">
+              <a:shade val="50000"/>
+            </a:schemeClr>
+          </a:lnRef>
+          <a:fillRef idx="1">
+            <a:schemeClr val="accent1"/>
+          </a:fillRef>
+          <a:effectRef idx="0">
+            <a:schemeClr val="accent1"/>
+          </a:effectRef>
+          <a:fontRef idx="minor">
+            <a:schemeClr val="lt1"/>
+          </a:fontRef>
+        </p:style>
+        <p:txBody>
+          <a:bodyPr rtlCol="0" anchor="ctr"/>
+          <a:lstStyle/>
+          <a:p>
+            <a:pPr algn="ctr"/>
+            <a:r>
+              <a:rPr lang="fr-CA" dirty="0" smtClean="0">
+                <a:solidFill>
+                  <a:schemeClr val="tx1"/>
+                </a:solidFill>
+              </a:rPr>
+              <a:t>Connexion à la BD</a:t>
+            </a:r>
+            <a:endParaRPr lang="fr-CA" dirty="0">
+              <a:solidFill>
+                <a:schemeClr val="tx1"/>
+              </a:solidFill>
+            </a:endParaRPr>
+          </a:p>
+        </p:txBody>
+      </p:sp>
+      <p:sp>
+        <p:nvSpPr>
+          <p:cNvPr id="5" name="Rectangle 4"/>
+          <p:cNvSpPr/>
+          <p:nvPr/>
+        </p:nvSpPr>
+        <p:spPr>
+          <a:xfrm>
+            <a:off x="749856" y="2267744"/>
+            <a:ext cx="2232248" cy="432048"/>
+          </a:xfrm>
+          <a:prstGeom prst="rect">
+            <a:avLst/>
+          </a:prstGeom>
+          <a:noFill/>
+          <a:ln cmpd="sng">
+            <a:solidFill>
+              <a:schemeClr val="tx1"/>
+            </a:solidFill>
+          </a:ln>
+        </p:spPr>
+        <p:style>
+          <a:lnRef idx="2">
+            <a:schemeClr val="accent1">
+              <a:shade val="50000"/>
+            </a:schemeClr>
+          </a:lnRef>
+          <a:fillRef idx="1">
+            <a:schemeClr val="accent1"/>
+          </a:fillRef>
+          <a:effectRef idx="0">
+            <a:schemeClr val="accent1"/>
+          </a:effectRef>
+          <a:fontRef idx="minor">
+            <a:schemeClr val="lt1"/>
+          </a:fontRef>
+        </p:style>
+        <p:txBody>
+          <a:bodyPr rtlCol="0" anchor="ctr"/>
+          <a:lstStyle/>
+          <a:p>
+            <a:pPr algn="ctr"/>
+            <a:r>
+              <a:rPr lang="fr-CA" dirty="0" smtClean="0">
+                <a:solidFill>
+                  <a:schemeClr val="tx1"/>
+                </a:solidFill>
+              </a:rPr>
+              <a:t>Extraire les usagers</a:t>
+            </a:r>
+            <a:endParaRPr lang="fr-CA" dirty="0">
+              <a:solidFill>
+                <a:schemeClr val="tx1"/>
+              </a:solidFill>
+            </a:endParaRPr>
+          </a:p>
+        </p:txBody>
+      </p:sp>
+      <p:sp>
+        <p:nvSpPr>
+          <p:cNvPr id="6" name="Rectangle 5"/>
+          <p:cNvSpPr/>
+          <p:nvPr/>
+        </p:nvSpPr>
+        <p:spPr>
+          <a:xfrm>
+            <a:off x="620688" y="5580112"/>
+            <a:ext cx="2088232" cy="288032"/>
+          </a:xfrm>
+          <a:prstGeom prst="rect">
+            <a:avLst/>
+          </a:prstGeom>
+          <a:noFill/>
+          <a:ln cmpd="sng">
+            <a:solidFill>
+              <a:schemeClr val="tx1"/>
+            </a:solidFill>
+          </a:ln>
+        </p:spPr>
+        <p:style>
+          <a:lnRef idx="2">
+            <a:schemeClr val="accent1">
+              <a:shade val="50000"/>
+            </a:schemeClr>
+          </a:lnRef>
+          <a:fillRef idx="1">
+            <a:schemeClr val="accent1"/>
+          </a:fillRef>
+          <a:effectRef idx="0">
+            <a:schemeClr val="accent1"/>
+          </a:effectRef>
+          <a:fontRef idx="minor">
+            <a:schemeClr val="lt1"/>
+          </a:fontRef>
+        </p:style>
+        <p:txBody>
+          <a:bodyPr rtlCol="0" anchor="ctr"/>
+          <a:lstStyle/>
+          <a:p>
+            <a:pPr algn="ctr"/>
+            <a:r>
+              <a:rPr lang="fr-CA" dirty="0" smtClean="0">
+                <a:solidFill>
+                  <a:schemeClr val="tx1"/>
+                </a:solidFill>
+              </a:rPr>
+              <a:t>Afficher les usagers</a:t>
+            </a:r>
+            <a:endParaRPr lang="fr-CA" dirty="0">
+              <a:solidFill>
+                <a:schemeClr val="tx1"/>
+              </a:solidFill>
+            </a:endParaRPr>
+          </a:p>
+        </p:txBody>
+      </p:sp>
+      <p:sp>
+        <p:nvSpPr>
+          <p:cNvPr id="8" name="Plaque 7"/>
+          <p:cNvSpPr/>
+          <p:nvPr/>
+        </p:nvSpPr>
+        <p:spPr>
+          <a:xfrm>
+            <a:off x="3717032" y="2555776"/>
+            <a:ext cx="1440160" cy="288032"/>
+          </a:xfrm>
+          <a:prstGeom prst="bevel">
+            <a:avLst/>
+          </a:prstGeom>
+        </p:spPr>
+        <p:style>
+          <a:lnRef idx="2">
+            <a:schemeClr val="accent1">
+              <a:shade val="50000"/>
+            </a:schemeClr>
+          </a:lnRef>
+          <a:fillRef idx="1">
+            <a:schemeClr val="accent1"/>
+          </a:fillRef>
+          <a:effectRef idx="0">
+            <a:schemeClr val="accent1"/>
+          </a:effectRef>
+          <a:fontRef idx="minor">
+            <a:schemeClr val="lt1"/>
+          </a:fontRef>
+        </p:style>
+        <p:txBody>
+          <a:bodyPr rtlCol="0" anchor="ctr"/>
+          <a:lstStyle/>
+          <a:p>
+            <a:pPr algn="ctr"/>
+            <a:r>
+              <a:rPr lang="fr-CA" dirty="0" smtClean="0"/>
+              <a:t>Ajouter</a:t>
+            </a:r>
+            <a:endParaRPr lang="fr-CA" dirty="0"/>
+          </a:p>
+        </p:txBody>
+      </p:sp>
+      <p:cxnSp>
+        <p:nvCxnSpPr>
+          <p:cNvPr id="10" name="Connecteur en angle 9"/>
+          <p:cNvCxnSpPr>
+            <a:stCxn id="5" idx="2"/>
+            <a:endCxn id="6" idx="0"/>
+          </p:cNvCxnSpPr>
+          <p:nvPr/>
+        </p:nvCxnSpPr>
+        <p:spPr>
+          <a:xfrm rot="5400000">
+            <a:off x="325232" y="4039364"/>
+            <a:ext cx="2880320" cy="201176"/>
+          </a:xfrm>
+          <a:prstGeom prst="bentConnector3">
+            <a:avLst/>
+          </a:prstGeom>
+          <a:ln>
+            <a:tailEnd type="arrow"/>
+          </a:ln>
+        </p:spPr>
+        <p:style>
+          <a:lnRef idx="1">
+            <a:schemeClr val="accent1"/>
+          </a:lnRef>
+          <a:fillRef idx="0">
+            <a:schemeClr val="accent1"/>
+          </a:fillRef>
+          <a:effectRef idx="0">
+            <a:schemeClr val="accent1"/>
+          </a:effectRef>
+          <a:fontRef idx="minor">
+            <a:schemeClr val="tx1"/>
+          </a:fontRef>
+        </p:style>
+      </p:cxnSp>
+      <p:sp>
+        <p:nvSpPr>
+          <p:cNvPr id="17" name="Rectangle 16"/>
+          <p:cNvSpPr/>
+          <p:nvPr/>
+        </p:nvSpPr>
+        <p:spPr>
+          <a:xfrm>
+            <a:off x="3005356" y="4572000"/>
+            <a:ext cx="2088232" cy="288032"/>
+          </a:xfrm>
+          <a:prstGeom prst="rect">
+            <a:avLst/>
+          </a:prstGeom>
+          <a:noFill/>
+          <a:ln cmpd="sng">
+            <a:solidFill>
+              <a:schemeClr val="tx1"/>
+            </a:solidFill>
+          </a:ln>
+        </p:spPr>
+        <p:style>
+          <a:lnRef idx="2">
+            <a:schemeClr val="accent1">
+              <a:shade val="50000"/>
+            </a:schemeClr>
+          </a:lnRef>
+          <a:fillRef idx="1">
+            <a:schemeClr val="accent1"/>
+          </a:fillRef>
+          <a:effectRef idx="0">
+            <a:schemeClr val="accent1"/>
+          </a:effectRef>
+          <a:fontRef idx="minor">
+            <a:schemeClr val="lt1"/>
+          </a:fontRef>
+        </p:style>
+        <p:txBody>
+          <a:bodyPr rtlCol="0" anchor="ctr"/>
+          <a:lstStyle/>
+          <a:p>
+            <a:pPr algn="ctr"/>
+            <a:r>
+              <a:rPr lang="fr-CA" sz="1200" dirty="0" err="1" smtClean="0">
+                <a:solidFill>
+                  <a:schemeClr val="tx1"/>
+                </a:solidFill>
+              </a:rPr>
+              <a:t>Cbase</a:t>
+            </a:r>
+            <a:r>
+              <a:rPr lang="fr-CA" sz="1200" dirty="0" smtClean="0">
+                <a:solidFill>
+                  <a:schemeClr val="tx1"/>
+                </a:solidFill>
+              </a:rPr>
+              <a:t> Ajouter(usager)</a:t>
+            </a:r>
+            <a:endParaRPr lang="fr-CA" sz="1200" dirty="0">
+              <a:solidFill>
+                <a:schemeClr val="tx1"/>
+              </a:solidFill>
+            </a:endParaRPr>
+          </a:p>
+        </p:txBody>
+      </p:sp>
+      <p:cxnSp>
+        <p:nvCxnSpPr>
+          <p:cNvPr id="18" name="Connecteur en angle 17"/>
+          <p:cNvCxnSpPr>
+            <a:stCxn id="8" idx="2"/>
+            <a:endCxn id="24" idx="0"/>
+          </p:cNvCxnSpPr>
+          <p:nvPr/>
+        </p:nvCxnSpPr>
+        <p:spPr>
+          <a:xfrm rot="5400000">
+            <a:off x="4159256" y="3070008"/>
+            <a:ext cx="504056" cy="51656"/>
+          </a:xfrm>
+          <a:prstGeom prst="bentConnector3">
+            <a:avLst>
+              <a:gd name="adj1" fmla="val 50000"/>
+            </a:avLst>
+          </a:prstGeom>
+          <a:ln>
+            <a:tailEnd type="arrow"/>
+          </a:ln>
+        </p:spPr>
+        <p:style>
+          <a:lnRef idx="1">
+            <a:schemeClr val="accent1"/>
+          </a:lnRef>
+          <a:fillRef idx="0">
+            <a:schemeClr val="accent1"/>
+          </a:fillRef>
+          <a:effectRef idx="0">
+            <a:schemeClr val="accent1"/>
+          </a:effectRef>
+          <a:fontRef idx="minor">
+            <a:schemeClr val="tx1"/>
+          </a:fontRef>
+        </p:style>
+      </p:cxnSp>
+      <p:cxnSp>
+        <p:nvCxnSpPr>
+          <p:cNvPr id="21" name="Connecteur en angle 20"/>
+          <p:cNvCxnSpPr>
+            <a:stCxn id="17" idx="2"/>
+            <a:endCxn id="6" idx="0"/>
+          </p:cNvCxnSpPr>
+          <p:nvPr/>
+        </p:nvCxnSpPr>
+        <p:spPr>
+          <a:xfrm rot="5400000">
+            <a:off x="2497098" y="4027738"/>
+            <a:ext cx="720080" cy="2384668"/>
+          </a:xfrm>
+          <a:prstGeom prst="bentConnector3">
+            <a:avLst>
+              <a:gd name="adj1" fmla="val 50000"/>
+            </a:avLst>
+          </a:prstGeom>
+          <a:ln>
+            <a:tailEnd type="arrow"/>
+          </a:ln>
+        </p:spPr>
+        <p:style>
+          <a:lnRef idx="1">
+            <a:schemeClr val="accent1"/>
+          </a:lnRef>
+          <a:fillRef idx="0">
+            <a:schemeClr val="accent1"/>
+          </a:fillRef>
+          <a:effectRef idx="0">
+            <a:schemeClr val="accent1"/>
+          </a:effectRef>
+          <a:fontRef idx="minor">
+            <a:schemeClr val="tx1"/>
+          </a:fontRef>
+        </p:style>
+      </p:cxnSp>
+      <p:sp>
+        <p:nvSpPr>
+          <p:cNvPr id="24" name="Rectangle 23"/>
+          <p:cNvSpPr/>
+          <p:nvPr/>
+        </p:nvSpPr>
+        <p:spPr>
+          <a:xfrm>
+            <a:off x="3341340" y="3347864"/>
+            <a:ext cx="2088232" cy="288032"/>
+          </a:xfrm>
+          <a:prstGeom prst="rect">
+            <a:avLst/>
+          </a:prstGeom>
+          <a:noFill/>
+          <a:ln cmpd="sng">
+            <a:solidFill>
+              <a:schemeClr val="tx1"/>
+            </a:solidFill>
+          </a:ln>
+        </p:spPr>
+        <p:style>
+          <a:lnRef idx="2">
+            <a:schemeClr val="accent1">
+              <a:shade val="50000"/>
+            </a:schemeClr>
+          </a:lnRef>
+          <a:fillRef idx="1">
+            <a:schemeClr val="accent1"/>
+          </a:fillRef>
+          <a:effectRef idx="0">
+            <a:schemeClr val="accent1"/>
+          </a:effectRef>
+          <a:fontRef idx="minor">
+            <a:schemeClr val="lt1"/>
+          </a:fontRef>
+        </p:style>
+        <p:txBody>
+          <a:bodyPr rtlCol="0" anchor="ctr"/>
+          <a:lstStyle/>
+          <a:p>
+            <a:pPr algn="ctr"/>
+            <a:r>
+              <a:rPr lang="fr-CA" sz="1200" dirty="0" err="1" smtClean="0">
+                <a:solidFill>
+                  <a:schemeClr val="tx1"/>
+                </a:solidFill>
+              </a:rPr>
+              <a:t>frmAjouter</a:t>
+            </a:r>
+            <a:r>
+              <a:rPr lang="fr-CA" sz="1200" dirty="0" smtClean="0">
+                <a:solidFill>
+                  <a:schemeClr val="tx1"/>
+                </a:solidFill>
+              </a:rPr>
+              <a:t>(usager)</a:t>
+            </a:r>
+            <a:endParaRPr lang="fr-CA" sz="1200" dirty="0">
+              <a:solidFill>
+                <a:schemeClr val="tx1"/>
+              </a:solidFill>
+            </a:endParaRPr>
+          </a:p>
+        </p:txBody>
+      </p:sp>
+      <p:cxnSp>
+        <p:nvCxnSpPr>
+          <p:cNvPr id="27" name="Connecteur en angle 26"/>
+          <p:cNvCxnSpPr>
+            <a:stCxn id="24" idx="2"/>
+            <a:endCxn id="17" idx="0"/>
+          </p:cNvCxnSpPr>
+          <p:nvPr/>
+        </p:nvCxnSpPr>
+        <p:spPr>
+          <a:xfrm rot="5400000">
+            <a:off x="3749412" y="3935956"/>
+            <a:ext cx="936104" cy="335984"/>
+          </a:xfrm>
+          <a:prstGeom prst="bentConnector3">
+            <a:avLst>
+              <a:gd name="adj1" fmla="val 50000"/>
+            </a:avLst>
+          </a:prstGeom>
+          <a:ln>
+            <a:tailEnd type="arrow"/>
+          </a:ln>
+        </p:spPr>
+        <p:style>
+          <a:lnRef idx="1">
+            <a:schemeClr val="accent1"/>
+          </a:lnRef>
+          <a:fillRef idx="0">
+            <a:schemeClr val="accent1"/>
+          </a:fillRef>
+          <a:effectRef idx="0">
+            <a:schemeClr val="accent1"/>
+          </a:effectRef>
+          <a:fontRef idx="minor">
+            <a:schemeClr val="tx1"/>
+          </a:fontRef>
+        </p:style>
+      </p:cxnSp>
+    </p:spTree>
+    <p:extLst>
+      <p:ext uri="{BB962C8B-B14F-4D97-AF65-F5344CB8AC3E}">
+        <p14:creationId xmlns:p14="http://schemas.microsoft.com/office/powerpoint/2010/main" val="4183044802"/>
+      </p:ext>
+    </p:extLst>
+  </p:cSld>
+  <p:clrMapOvr>
+    <a:masterClrMapping/>
+  </p:clrMapOvr>
+</p:sld>
 </file>
 
 <file path=ppt/theme/theme1.xml><?xml version="1.0" encoding="utf-8"?>

--- a/GMPTS.pptx
+++ b/GMPTS.pptx
@@ -289,7 +289,7 @@
           <a:p>
             <a:fld id="{AA309A6D-C09C-4548-B29A-6CF363A7E532}" type="datetimeFigureOut">
               <a:rPr lang="fr-FR" smtClean="0"/>
-              <a:t>18/11/2025</a:t>
+              <a:t>28/11/2025</a:t>
             </a:fld>
             <a:endParaRPr lang="fr-BE"/>
           </a:p>
@@ -454,7 +454,7 @@
           <a:p>
             <a:fld id="{AA309A6D-C09C-4548-B29A-6CF363A7E532}" type="datetimeFigureOut">
               <a:rPr lang="fr-FR" smtClean="0"/>
-              <a:t>18/11/2025</a:t>
+              <a:t>28/11/2025</a:t>
             </a:fld>
             <a:endParaRPr lang="fr-BE"/>
           </a:p>
@@ -629,7 +629,7 @@
           <a:p>
             <a:fld id="{AA309A6D-C09C-4548-B29A-6CF363A7E532}" type="datetimeFigureOut">
               <a:rPr lang="fr-FR" smtClean="0"/>
-              <a:t>18/11/2025</a:t>
+              <a:t>28/11/2025</a:t>
             </a:fld>
             <a:endParaRPr lang="fr-BE"/>
           </a:p>
@@ -794,7 +794,7 @@
           <a:p>
             <a:fld id="{AA309A6D-C09C-4548-B29A-6CF363A7E532}" type="datetimeFigureOut">
               <a:rPr lang="fr-FR" smtClean="0"/>
-              <a:t>18/11/2025</a:t>
+              <a:t>28/11/2025</a:t>
             </a:fld>
             <a:endParaRPr lang="fr-BE"/>
           </a:p>
@@ -1035,7 +1035,7 @@
           <a:p>
             <a:fld id="{AA309A6D-C09C-4548-B29A-6CF363A7E532}" type="datetimeFigureOut">
               <a:rPr lang="fr-FR" smtClean="0"/>
-              <a:t>18/11/2025</a:t>
+              <a:t>28/11/2025</a:t>
             </a:fld>
             <a:endParaRPr lang="fr-BE"/>
           </a:p>
@@ -1318,7 +1318,7 @@
           <a:p>
             <a:fld id="{AA309A6D-C09C-4548-B29A-6CF363A7E532}" type="datetimeFigureOut">
               <a:rPr lang="fr-FR" smtClean="0"/>
-              <a:t>18/11/2025</a:t>
+              <a:t>28/11/2025</a:t>
             </a:fld>
             <a:endParaRPr lang="fr-BE"/>
           </a:p>
@@ -1735,7 +1735,7 @@
           <a:p>
             <a:fld id="{AA309A6D-C09C-4548-B29A-6CF363A7E532}" type="datetimeFigureOut">
               <a:rPr lang="fr-FR" smtClean="0"/>
-              <a:t>18/11/2025</a:t>
+              <a:t>28/11/2025</a:t>
             </a:fld>
             <a:endParaRPr lang="fr-BE"/>
           </a:p>
@@ -1848,7 +1848,7 @@
           <a:p>
             <a:fld id="{AA309A6D-C09C-4548-B29A-6CF363A7E532}" type="datetimeFigureOut">
               <a:rPr lang="fr-FR" smtClean="0"/>
-              <a:t>18/11/2025</a:t>
+              <a:t>28/11/2025</a:t>
             </a:fld>
             <a:endParaRPr lang="fr-BE"/>
           </a:p>
@@ -1938,7 +1938,7 @@
           <a:p>
             <a:fld id="{AA309A6D-C09C-4548-B29A-6CF363A7E532}" type="datetimeFigureOut">
               <a:rPr lang="fr-FR" smtClean="0"/>
-              <a:t>18/11/2025</a:t>
+              <a:t>28/11/2025</a:t>
             </a:fld>
             <a:endParaRPr lang="fr-BE"/>
           </a:p>
@@ -2210,7 +2210,7 @@
           <a:p>
             <a:fld id="{AA309A6D-C09C-4548-B29A-6CF363A7E532}" type="datetimeFigureOut">
               <a:rPr lang="fr-FR" smtClean="0"/>
-              <a:t>18/11/2025</a:t>
+              <a:t>28/11/2025</a:t>
             </a:fld>
             <a:endParaRPr lang="fr-BE"/>
           </a:p>
@@ -2458,7 +2458,7 @@
           <a:p>
             <a:fld id="{AA309A6D-C09C-4548-B29A-6CF363A7E532}" type="datetimeFigureOut">
               <a:rPr lang="fr-FR" smtClean="0"/>
-              <a:t>18/11/2025</a:t>
+              <a:t>28/11/2025</a:t>
             </a:fld>
             <a:endParaRPr lang="fr-BE"/>
           </a:p>
@@ -2666,7 +2666,7 @@
           <a:p>
             <a:fld id="{AA309A6D-C09C-4548-B29A-6CF363A7E532}" type="datetimeFigureOut">
               <a:rPr lang="fr-FR" smtClean="0"/>
-              <a:t>18/11/2025</a:t>
+              <a:t>28/11/2025</a:t>
             </a:fld>
             <a:endParaRPr lang="fr-BE"/>
           </a:p>
@@ -3647,6 +3647,188 @@
           </a:fontRef>
         </p:style>
       </p:cxnSp>
+      <p:sp>
+        <p:nvSpPr>
+          <p:cNvPr id="13" name="Rectangle 12"/>
+          <p:cNvSpPr/>
+          <p:nvPr/>
+        </p:nvSpPr>
+        <p:spPr>
+          <a:xfrm>
+            <a:off x="1234455" y="6516216"/>
+            <a:ext cx="2088232" cy="288032"/>
+          </a:xfrm>
+          <a:prstGeom prst="rect">
+            <a:avLst/>
+          </a:prstGeom>
+          <a:noFill/>
+          <a:ln cmpd="sng">
+            <a:solidFill>
+              <a:schemeClr val="tx1"/>
+            </a:solidFill>
+          </a:ln>
+        </p:spPr>
+        <p:style>
+          <a:lnRef idx="2">
+            <a:schemeClr val="accent1">
+              <a:shade val="50000"/>
+            </a:schemeClr>
+          </a:lnRef>
+          <a:fillRef idx="1">
+            <a:schemeClr val="accent1"/>
+          </a:fillRef>
+          <a:effectRef idx="0">
+            <a:schemeClr val="accent1"/>
+          </a:effectRef>
+          <a:fontRef idx="minor">
+            <a:schemeClr val="lt1"/>
+          </a:fontRef>
+        </p:style>
+        <p:txBody>
+          <a:bodyPr rtlCol="0" anchor="ctr"/>
+          <a:lstStyle/>
+          <a:p>
+            <a:pPr algn="ctr"/>
+            <a:r>
+              <a:rPr lang="fr-CA" dirty="0" err="1" smtClean="0">
+                <a:solidFill>
+                  <a:schemeClr val="tx1"/>
+                </a:solidFill>
+              </a:rPr>
+              <a:t>Doubleclic</a:t>
+            </a:r>
+            <a:r>
+              <a:rPr lang="fr-CA" dirty="0" smtClean="0">
+                <a:solidFill>
+                  <a:schemeClr val="tx1"/>
+                </a:solidFill>
+              </a:rPr>
+              <a:t> usager</a:t>
+            </a:r>
+            <a:endParaRPr lang="fr-CA" dirty="0">
+              <a:solidFill>
+                <a:schemeClr val="tx1"/>
+              </a:solidFill>
+            </a:endParaRPr>
+          </a:p>
+        </p:txBody>
+      </p:sp>
+      <p:sp>
+        <p:nvSpPr>
+          <p:cNvPr id="14" name="Rectangle 13"/>
+          <p:cNvSpPr/>
+          <p:nvPr/>
+        </p:nvSpPr>
+        <p:spPr>
+          <a:xfrm>
+            <a:off x="2492896" y="7052617"/>
+            <a:ext cx="2664296" cy="288032"/>
+          </a:xfrm>
+          <a:prstGeom prst="rect">
+            <a:avLst/>
+          </a:prstGeom>
+          <a:noFill/>
+          <a:ln cmpd="sng">
+            <a:solidFill>
+              <a:schemeClr val="tx1"/>
+            </a:solidFill>
+          </a:ln>
+        </p:spPr>
+        <p:style>
+          <a:lnRef idx="2">
+            <a:schemeClr val="accent1">
+              <a:shade val="50000"/>
+            </a:schemeClr>
+          </a:lnRef>
+          <a:fillRef idx="1">
+            <a:schemeClr val="accent1"/>
+          </a:fillRef>
+          <a:effectRef idx="0">
+            <a:schemeClr val="accent1"/>
+          </a:effectRef>
+          <a:fontRef idx="minor">
+            <a:schemeClr val="lt1"/>
+          </a:fontRef>
+        </p:style>
+        <p:txBody>
+          <a:bodyPr rtlCol="0" anchor="ctr"/>
+          <a:lstStyle/>
+          <a:p>
+            <a:pPr algn="ctr"/>
+            <a:r>
+              <a:rPr lang="fr-CA" dirty="0" smtClean="0">
+                <a:solidFill>
+                  <a:schemeClr val="tx1"/>
+                </a:solidFill>
+              </a:rPr>
+              <a:t>Demande mot de passe</a:t>
+            </a:r>
+            <a:endParaRPr lang="fr-CA" dirty="0">
+              <a:solidFill>
+                <a:schemeClr val="tx1"/>
+              </a:solidFill>
+            </a:endParaRPr>
+          </a:p>
+        </p:txBody>
+      </p:sp>
+      <p:sp>
+        <p:nvSpPr>
+          <p:cNvPr id="15" name="Rectangle 14"/>
+          <p:cNvSpPr/>
+          <p:nvPr/>
+        </p:nvSpPr>
+        <p:spPr>
+          <a:xfrm>
+            <a:off x="1268760" y="7668344"/>
+            <a:ext cx="2664296" cy="288032"/>
+          </a:xfrm>
+          <a:prstGeom prst="rect">
+            <a:avLst/>
+          </a:prstGeom>
+          <a:noFill/>
+          <a:ln cmpd="sng">
+            <a:solidFill>
+              <a:schemeClr val="tx1"/>
+            </a:solidFill>
+          </a:ln>
+        </p:spPr>
+        <p:style>
+          <a:lnRef idx="2">
+            <a:schemeClr val="accent1">
+              <a:shade val="50000"/>
+            </a:schemeClr>
+          </a:lnRef>
+          <a:fillRef idx="1">
+            <a:schemeClr val="accent1"/>
+          </a:fillRef>
+          <a:effectRef idx="0">
+            <a:schemeClr val="accent1"/>
+          </a:effectRef>
+          <a:fontRef idx="minor">
+            <a:schemeClr val="lt1"/>
+          </a:fontRef>
+        </p:style>
+        <p:txBody>
+          <a:bodyPr rtlCol="0" anchor="ctr"/>
+          <a:lstStyle/>
+          <a:p>
+            <a:pPr algn="ctr"/>
+            <a:r>
+              <a:rPr lang="fr-CA" dirty="0" smtClean="0">
+                <a:solidFill>
+                  <a:schemeClr val="tx1"/>
+                </a:solidFill>
+              </a:rPr>
+              <a:t>Ouvre fenêtre Choix</a:t>
+            </a:r>
+            <a:endParaRPr lang="fr-CA" dirty="0">
+              <a:solidFill>
+                <a:schemeClr val="tx1"/>
+              </a:solidFill>
+            </a:endParaRPr>
+          </a:p>
+        </p:txBody>
+      </p:sp>
     </p:spTree>
     <p:extLst>
       <p:ext uri="{BB962C8B-B14F-4D97-AF65-F5344CB8AC3E}">
